--- a/submissions/week_ending_06-24-16/Quad Report Template - 2016-06-20.pptx
+++ b/submissions/week_ending_06-24-16/Quad Report Template - 2016-06-20.pptx
@@ -4281,12 +4281,12 @@
           <a:graphicData uri="http://schemas.openxmlformats.org/presentationml/2006/ole">
             <mc:AlternateContent xmlns:mc="http://schemas.openxmlformats.org/markup-compatibility/2006">
               <mc:Choice xmlns:v="urn:schemas-microsoft-com:vml" Requires="v">
-                <p:oleObj spid="_x0000_s1260" name="Document" r:id="rId4" imgW="2585160" imgH="5576828" progId="Word.Document.8">
+                <p:oleObj spid="_x0000_s1266" name="Document" r:id="rId5" imgW="2585160" imgH="5576828" progId="Word.Document.8">
                   <p:embed/>
                 </p:oleObj>
               </mc:Choice>
               <mc:Fallback>
-                <p:oleObj name="Document" r:id="rId4" imgW="2585160" imgH="5576828" progId="Word.Document.8">
+                <p:oleObj name="Document" r:id="rId5" imgW="2585160" imgH="5576828" progId="Word.Document.8">
                   <p:embed/>
                   <p:pic>
                     <p:nvPicPr>
@@ -4297,7 +4297,7 @@
                       <p:nvPr/>
                     </p:nvPicPr>
                     <p:blipFill>
-                      <a:blip r:embed="rId5">
+                      <a:blip r:embed="rId6">
                         <a:extLst>
                           <a:ext uri="{28A0092B-C50C-407E-A947-70E740481C1C}">
                             <a14:useLocalDpi xmlns:a14="http://schemas.microsoft.com/office/drawing/2010/main" val="0"/>
@@ -4324,14 +4324,14 @@
                       <a:effectLst/>
                       <a:extLst>
                         <a:ext uri="{909E8E84-426E-40dd-AFC4-6F175D3DCCD1}">
-                          <a14:hiddenFill xmlns:a14="http://schemas.microsoft.com/office/drawing/2010/main" xmlns="">
+                          <a14:hiddenFill xmlns="" xmlns:a14="http://schemas.microsoft.com/office/drawing/2010/main">
                             <a:solidFill>
                               <a:schemeClr val="accent1"/>
                             </a:solidFill>
                           </a14:hiddenFill>
                         </a:ext>
                         <a:ext uri="{91240B29-F687-4f45-9708-019B960494DF}">
-                          <a14:hiddenLine xmlns:a14="http://schemas.microsoft.com/office/drawing/2010/main" xmlns="" w="9525">
+                          <a14:hiddenLine xmlns="" xmlns:a14="http://schemas.microsoft.com/office/drawing/2010/main" w="9525">
                             <a:solidFill>
                               <a:schemeClr val="tx1"/>
                             </a:solidFill>
@@ -4341,7 +4341,7 @@
                           </a14:hiddenLine>
                         </a:ext>
                         <a:ext uri="{AF507438-7753-43e0-B8FC-AC1667EBCBE1}">
-                          <a14:hiddenEffects xmlns:a14="http://schemas.microsoft.com/office/drawing/2010/main" xmlns="">
+                          <a14:hiddenEffects xmlns="" xmlns:a14="http://schemas.microsoft.com/office/drawing/2010/main">
                             <a:effectLst>
                               <a:outerShdw blurRad="63500" dist="38099" dir="2700000" algn="ctr" rotWithShape="0">
                                 <a:schemeClr val="bg2">
@@ -4715,12 +4715,12 @@
           <a:graphicData uri="http://schemas.openxmlformats.org/presentationml/2006/ole">
             <mc:AlternateContent xmlns:mc="http://schemas.openxmlformats.org/markup-compatibility/2006">
               <mc:Choice xmlns:v="urn:schemas-microsoft-com:vml" Requires="v">
-                <p:oleObj spid="_x0000_s1261" name="Document" r:id="rId6" imgW="2794000" imgH="1181100" progId="Word.Document.8">
+                <p:oleObj spid="_x0000_s1267" name="Document" r:id="rId8" imgW="2794000" imgH="1181100" progId="Word.Document.8">
                   <p:embed/>
                 </p:oleObj>
               </mc:Choice>
               <mc:Fallback>
-                <p:oleObj name="Document" r:id="rId6" imgW="2794000" imgH="1181100" progId="Word.Document.8">
+                <p:oleObj name="Document" r:id="rId8" imgW="2794000" imgH="1181100" progId="Word.Document.8">
                   <p:embed/>
                   <p:pic>
                     <p:nvPicPr>
@@ -4731,7 +4731,7 @@
                       <p:nvPr/>
                     </p:nvPicPr>
                     <p:blipFill>
-                      <a:blip r:embed="rId7"/>
+                      <a:blip r:embed="rId9"/>
                       <a:srcRect/>
                       <a:stretch>
                         <a:fillRect/>
@@ -4749,14 +4749,14 @@
                       <a:effectLst/>
                       <a:extLst>
                         <a:ext uri="{909E8E84-426E-40dd-AFC4-6F175D3DCCD1}">
-                          <a14:hiddenFill xmlns:a14="http://schemas.microsoft.com/office/drawing/2010/main" xmlns="">
+                          <a14:hiddenFill xmlns="" xmlns:a14="http://schemas.microsoft.com/office/drawing/2010/main">
                             <a:solidFill>
                               <a:srgbClr val="FFFFFF"/>
                             </a:solidFill>
                           </a14:hiddenFill>
                         </a:ext>
                         <a:ext uri="{AF507438-7753-43e0-B8FC-AC1667EBCBE1}">
-                          <a14:hiddenEffects xmlns:a14="http://schemas.microsoft.com/office/drawing/2010/main" xmlns="">
+                          <a14:hiddenEffects xmlns="" xmlns:a14="http://schemas.microsoft.com/office/drawing/2010/main">
                             <a:effectLst>
                               <a:outerShdw blurRad="63500" dist="38099" dir="2700000" algn="ctr" rotWithShape="0">
                                 <a:srgbClr val="000000">
@@ -4904,12 +4904,12 @@
           <a:graphicData uri="http://schemas.openxmlformats.org/presentationml/2006/ole">
             <mc:AlternateContent xmlns:mc="http://schemas.openxmlformats.org/markup-compatibility/2006">
               <mc:Choice xmlns:v="urn:schemas-microsoft-com:vml" Requires="v">
-                <p:oleObj spid="_x0000_s1262" name="Document" r:id="rId8" imgW="4965700" imgH="1485900" progId="Word.Document.8">
+                <p:oleObj spid="_x0000_s1268" name="Document" r:id="rId11" imgW="4965700" imgH="1485900" progId="Word.Document.8">
                   <p:embed/>
                 </p:oleObj>
               </mc:Choice>
               <mc:Fallback>
-                <p:oleObj name="Document" r:id="rId8" imgW="4965700" imgH="1485900" progId="Word.Document.8">
+                <p:oleObj name="Document" r:id="rId11" imgW="4965700" imgH="1485900" progId="Word.Document.8">
                   <p:embed/>
                   <p:pic>
                     <p:nvPicPr>
@@ -4920,7 +4920,7 @@
                       <p:nvPr/>
                     </p:nvPicPr>
                     <p:blipFill>
-                      <a:blip r:embed="rId9"/>
+                      <a:blip r:embed="rId12"/>
                       <a:srcRect/>
                       <a:stretch>
                         <a:fillRect/>
@@ -4941,14 +4941,14 @@
                       <a:effectLst/>
                       <a:extLst>
                         <a:ext uri="{909E8E84-426E-40dd-AFC4-6F175D3DCCD1}">
-                          <a14:hiddenFill xmlns:a14="http://schemas.microsoft.com/office/drawing/2010/main" xmlns="">
+                          <a14:hiddenFill xmlns="" xmlns:a14="http://schemas.microsoft.com/office/drawing/2010/main">
                             <a:solidFill>
                               <a:schemeClr val="accent1"/>
                             </a:solidFill>
                           </a14:hiddenFill>
                         </a:ext>
                         <a:ext uri="{91240B29-F687-4f45-9708-019B960494DF}">
-                          <a14:hiddenLine xmlns:a14="http://schemas.microsoft.com/office/drawing/2010/main" xmlns="" w="9525">
+                          <a14:hiddenLine xmlns="" xmlns:a14="http://schemas.microsoft.com/office/drawing/2010/main" w="9525">
                             <a:solidFill>
                               <a:schemeClr val="tx1"/>
                             </a:solidFill>
@@ -4958,7 +4958,7 @@
                           </a14:hiddenLine>
                         </a:ext>
                         <a:ext uri="{AF507438-7753-43e0-B8FC-AC1667EBCBE1}">
-                          <a14:hiddenEffects xmlns:a14="http://schemas.microsoft.com/office/drawing/2010/main" xmlns="">
+                          <a14:hiddenEffects xmlns="" xmlns:a14="http://schemas.microsoft.com/office/drawing/2010/main">
                             <a:effectLst>
                               <a:outerShdw blurRad="63500" dist="38099" dir="2700000" algn="ctr" rotWithShape="0">
                                 <a:schemeClr val="bg2">
@@ -5368,12 +5368,12 @@
           <a:graphicData uri="http://schemas.openxmlformats.org/presentationml/2006/ole">
             <mc:AlternateContent xmlns:mc="http://schemas.openxmlformats.org/markup-compatibility/2006">
               <mc:Choice xmlns:v="urn:schemas-microsoft-com:vml" Requires="v">
-                <p:oleObj spid="_x0000_s1263" name="Document" r:id="rId10" imgW="4432300" imgH="2197100" progId="Word.Document.8">
+                <p:oleObj spid="_x0000_s1269" name="Document" r:id="rId14" imgW="4432300" imgH="2197100" progId="Word.Document.8">
                   <p:embed/>
                 </p:oleObj>
               </mc:Choice>
               <mc:Fallback>
-                <p:oleObj name="Document" r:id="rId10" imgW="4432300" imgH="2197100" progId="Word.Document.8">
+                <p:oleObj name="Document" r:id="rId14" imgW="4432300" imgH="2197100" progId="Word.Document.8">
                   <p:embed/>
                   <p:pic>
                     <p:nvPicPr>
@@ -5384,7 +5384,7 @@
                       <p:nvPr/>
                     </p:nvPicPr>
                     <p:blipFill>
-                      <a:blip r:embed="rId11"/>
+                      <a:blip r:embed="rId15"/>
                       <a:srcRect/>
                       <a:stretch>
                         <a:fillRect/>
@@ -5401,7 +5401,7 @@
                       <a:noFill/>
                       <a:extLst>
                         <a:ext uri="{909E8E84-426E-40dd-AFC4-6F175D3DCCD1}">
-                          <a14:hiddenFill xmlns:a14="http://schemas.microsoft.com/office/drawing/2010/main" xmlns="">
+                          <a14:hiddenFill xmlns="" xmlns:a14="http://schemas.microsoft.com/office/drawing/2010/main">
                             <a:solidFill>
                               <a:srgbClr val="FFFFFF"/>
                             </a:solidFill>
@@ -5587,12 +5587,12 @@
           <a:graphicData uri="http://schemas.openxmlformats.org/presentationml/2006/ole">
             <mc:AlternateContent xmlns:mc="http://schemas.openxmlformats.org/markup-compatibility/2006">
               <mc:Choice xmlns:v="urn:schemas-microsoft-com:vml" Requires="v">
-                <p:oleObj spid="_x0000_s1264" name="Document" r:id="rId12" imgW="4406900" imgH="1447800" progId="Word.Document.8">
+                <p:oleObj spid="_x0000_s1270" name="Document" r:id="rId17" imgW="4406900" imgH="1447800" progId="Word.Document.8">
                   <p:embed/>
                 </p:oleObj>
               </mc:Choice>
               <mc:Fallback>
-                <p:oleObj name="Document" r:id="rId12" imgW="4406900" imgH="1447800" progId="Word.Document.8">
+                <p:oleObj name="Document" r:id="rId17" imgW="4406900" imgH="1447800" progId="Word.Document.8">
                   <p:embed/>
                   <p:pic>
                     <p:nvPicPr>
@@ -5603,7 +5603,7 @@
                       <p:nvPr/>
                     </p:nvPicPr>
                     <p:blipFill>
-                      <a:blip r:embed="rId13"/>
+                      <a:blip r:embed="rId18"/>
                       <a:srcRect/>
                       <a:stretch>
                         <a:fillRect/>
@@ -5620,7 +5620,7 @@
                       <a:noFill/>
                       <a:extLst>
                         <a:ext uri="{909E8E84-426E-40dd-AFC4-6F175D3DCCD1}">
-                          <a14:hiddenFill xmlns:a14="http://schemas.microsoft.com/office/drawing/2010/main" xmlns="">
+                          <a14:hiddenFill xmlns="" xmlns:a14="http://schemas.microsoft.com/office/drawing/2010/main">
                             <a:solidFill>
                               <a:srgbClr val="FFFFFF"/>
                             </a:solidFill>
@@ -5675,14 +5675,7 @@
                 <a:latin typeface="Arial" pitchFamily="34" charset="0"/>
                 <a:cs typeface="Arial" pitchFamily="34" charset="0"/>
               </a:rPr>
-              <a:t>Major </a:t>
-            </a:r>
-            <a:r>
-              <a:rPr lang="en-US" sz="800" b="1" dirty="0" smtClean="0">
-                <a:latin typeface="Arial" pitchFamily="34" charset="0"/>
-                <a:cs typeface="Arial" pitchFamily="34" charset="0"/>
-              </a:rPr>
-              <a:t>Comments:</a:t>
+              <a:t>Major Comments:</a:t>
             </a:r>
           </a:p>
           <a:p>
@@ -5717,23 +5710,19 @@
               <a:t> Development progress can be seen in develop branch on GitHub, master </a:t>
             </a:r>
             <a:r>
-              <a:rPr lang="en-US" sz="800" dirty="0" err="1" smtClean="0">
-                <a:latin typeface="Arial" pitchFamily="34" charset="0"/>
-                <a:cs typeface="Arial" pitchFamily="34" charset="0"/>
-              </a:rPr>
-              <a:t>brance</a:t>
-            </a:r>
-            <a:r>
               <a:rPr lang="en-US" sz="800" dirty="0" smtClean="0">
                 <a:latin typeface="Arial" pitchFamily="34" charset="0"/>
                 <a:cs typeface="Arial" pitchFamily="34" charset="0"/>
               </a:rPr>
-              <a:t> only updated for releases.</a:t>
-            </a:r>
-            <a:endParaRPr lang="en-US" sz="800" dirty="0" smtClean="0">
-              <a:latin typeface="Arial" pitchFamily="34" charset="0"/>
-              <a:cs typeface="Arial" pitchFamily="34" charset="0"/>
-            </a:endParaRPr>
+              <a:t>branch </a:t>
+            </a:r>
+            <a:r>
+              <a:rPr lang="en-US" sz="800" dirty="0" smtClean="0">
+                <a:latin typeface="Arial" pitchFamily="34" charset="0"/>
+                <a:cs typeface="Arial" pitchFamily="34" charset="0"/>
+              </a:rPr>
+              <a:t>only updated for releases.</a:t>
+            </a:r>
           </a:p>
         </p:txBody>
       </p:sp>
@@ -6232,7 +6221,7 @@
         <a:effectLst/>
         <a:extLst>
           <a:ext uri="{AF507438-7753-43e0-B8FC-AC1667EBCBE1}">
-            <a14:hiddenEffects xmlns:a14="http://schemas.microsoft.com/office/drawing/2010/main" xmlns="">
+            <a14:hiddenEffects xmlns="" xmlns:a14="http://schemas.microsoft.com/office/drawing/2010/main">
               <a:effectLst>
                 <a:outerShdw blurRad="63500" dist="38099" dir="2700000" algn="ctr" rotWithShape="0">
                   <a:schemeClr val="bg2">
@@ -6308,7 +6297,7 @@
         <a:effectLst/>
         <a:extLst>
           <a:ext uri="{AF507438-7753-43e0-B8FC-AC1667EBCBE1}">
-            <a14:hiddenEffects xmlns:a14="http://schemas.microsoft.com/office/drawing/2010/main" xmlns="">
+            <a14:hiddenEffects xmlns="" xmlns:a14="http://schemas.microsoft.com/office/drawing/2010/main">
               <a:effectLst>
                 <a:outerShdw blurRad="63500" dist="38099" dir="2700000" algn="ctr" rotWithShape="0">
                   <a:schemeClr val="bg2">
